--- a/Unit 12/Unit 12 For Live Session.pptx
+++ b/Unit 12/Unit 12 For Live Session.pptx
@@ -2419,44 +2419,37 @@
               <a:rPr lang="en-US" b="1" dirty="0">
                 <a:hlinkClick r:id="rId2"/>
               </a:rPr>
+              <a:t>https://yelp.github.io/</a:t>
+            </a:r>
+          </a:p>
+          <a:p>
+            <a:r>
+              <a:rPr lang="en-US" b="1" dirty="0">
+                <a:hlinkClick r:id="rId2"/>
+              </a:rPr>
               <a:t>square.github.io</a:t>
             </a:r>
             <a:endParaRPr lang="en-US" dirty="0"/>
           </a:p>
           <a:p>
             <a:r>
-              <a:rPr lang="en-US" b="1" dirty="0">
+              <a:rPr lang="en-US" b="1" u="sng" dirty="0">
                 <a:hlinkClick r:id="rId3"/>
               </a:rPr>
-              <a:t>twitter.github.io</a:t>
-            </a:r>
-            <a:endParaRPr lang="en-US" b="1" dirty="0"/>
-          </a:p>
-          <a:p>
-            <a:r>
-              <a:rPr lang="en-US" b="1" u="sng" dirty="0">
+              <a:t>artsy.github.io</a:t>
+            </a:r>
+            <a:endParaRPr lang="en-US" b="1" u="sng" dirty="0"/>
+          </a:p>
+          <a:p>
+            <a:r>
+              <a:rPr lang="en-US" dirty="0">
                 <a:hlinkClick r:id="rId4"/>
               </a:rPr>
-              <a:t>netflix.github.com</a:t>
-            </a:r>
-            <a:endParaRPr lang="en-US" b="1" dirty="0"/>
-          </a:p>
-          <a:p>
-            <a:r>
-              <a:rPr lang="en-US" b="1" u="sng" dirty="0">
-                <a:hlinkClick r:id="rId5"/>
-              </a:rPr>
-              <a:t>artsy.github.io</a:t>
-            </a:r>
-            <a:endParaRPr lang="en-US" b="1" u="sng" dirty="0"/>
-          </a:p>
-          <a:p>
-            <a:r>
-              <a:rPr lang="en-US" b="1" u="sng" dirty="0">
-                <a:hlinkClick r:id="rId6"/>
-              </a:rPr>
-              <a:t>microsoft.github.io</a:t>
-            </a:r>
+              <a:t>https://netflix.github.io/</a:t>
+            </a:r>
+            <a:endParaRPr lang="en-US" dirty="0"/>
+          </a:p>
+          <a:p>
             <a:br>
               <a:rPr lang="en-US" dirty="0"/>
             </a:br>
@@ -3414,7 +3407,7 @@
             </a:pPr>
             <a:r>
               <a:rPr lang="en-US" dirty="0"/>
-              <a:t>Submit the link to your GitHub Page to the class Google Doc!</a:t>
+              <a:t>Submit the link to your GitHub Page to the Wall!</a:t>
             </a:r>
           </a:p>
           <a:p>
